--- a/report.pptx
+++ b/report.pptx
@@ -3651,6 +3651,186 @@
           </a:xfrm>
         </p:spPr>
       </p:pic>
+      <p:pic>
+        <p:nvPicPr>
+          <p:cNvPr id="6" name="Graphic 5" descr="Badge 1 with solid fill">
+            <a:extLst>
+              <a:ext uri="{FF2B5EF4-FFF2-40B4-BE49-F238E27FC236}">
+                <a16:creationId xmlns:a16="http://schemas.microsoft.com/office/drawing/2014/main" id="{2B4671AD-B787-801E-0775-68839D8EECEE}"/>
+              </a:ext>
+            </a:extLst>
+          </p:cNvPr>
+          <p:cNvPicPr>
+            <a:picLocks noChangeAspect="1"/>
+          </p:cNvPicPr>
+          <p:nvPr/>
+        </p:nvPicPr>
+        <p:blipFill>
+          <a:blip r:embed="rId3">
+            <a:extLst>
+              <a:ext uri="{96DAC541-7B7A-43D3-8B79-37D633B846F1}">
+                <asvg:svgBlip xmlns:asvg="http://schemas.microsoft.com/office/drawing/2016/SVG/main" r:embed="rId4"/>
+              </a:ext>
+            </a:extLst>
+          </a:blip>
+          <a:stretch>
+            <a:fillRect/>
+          </a:stretch>
+        </p:blipFill>
+        <p:spPr>
+          <a:xfrm rot="20645870">
+            <a:off x="107775" y="1033639"/>
+            <a:ext cx="914400" cy="914400"/>
+          </a:xfrm>
+          <a:prstGeom prst="rect">
+            <a:avLst/>
+          </a:prstGeom>
+        </p:spPr>
+      </p:pic>
+      <p:pic>
+        <p:nvPicPr>
+          <p:cNvPr id="7" name="Graphic 6" descr="Badge with solid fill">
+            <a:extLst>
+              <a:ext uri="{FF2B5EF4-FFF2-40B4-BE49-F238E27FC236}">
+                <a16:creationId xmlns:a16="http://schemas.microsoft.com/office/drawing/2014/main" id="{33EDF388-2F04-FD86-F093-FC61D9A3E99A}"/>
+              </a:ext>
+            </a:extLst>
+          </p:cNvPr>
+          <p:cNvPicPr>
+            <a:picLocks noChangeAspect="1"/>
+          </p:cNvPicPr>
+          <p:nvPr/>
+        </p:nvPicPr>
+        <p:blipFill>
+          <a:blip r:embed="rId5">
+            <a:extLst>
+              <a:ext uri="{96DAC541-7B7A-43D3-8B79-37D633B846F1}">
+                <asvg:svgBlip xmlns:asvg="http://schemas.microsoft.com/office/drawing/2016/SVG/main" r:embed="rId6"/>
+              </a:ext>
+            </a:extLst>
+          </a:blip>
+          <a:stretch>
+            <a:fillRect/>
+          </a:stretch>
+        </p:blipFill>
+        <p:spPr>
+          <a:xfrm rot="831904">
+            <a:off x="119310" y="1911096"/>
+            <a:ext cx="914400" cy="914400"/>
+          </a:xfrm>
+          <a:prstGeom prst="rect">
+            <a:avLst/>
+          </a:prstGeom>
+        </p:spPr>
+      </p:pic>
+      <p:pic>
+        <p:nvPicPr>
+          <p:cNvPr id="8" name="Graphic 7" descr="Badge 3 with solid fill">
+            <a:extLst>
+              <a:ext uri="{FF2B5EF4-FFF2-40B4-BE49-F238E27FC236}">
+                <a16:creationId xmlns:a16="http://schemas.microsoft.com/office/drawing/2014/main" id="{BA47D6AC-ADBB-1AD0-093B-D2BDC7D9E525}"/>
+              </a:ext>
+            </a:extLst>
+          </p:cNvPr>
+          <p:cNvPicPr>
+            <a:picLocks noChangeAspect="1"/>
+          </p:cNvPicPr>
+          <p:nvPr/>
+        </p:nvPicPr>
+        <p:blipFill>
+          <a:blip r:embed="rId7">
+            <a:extLst>
+              <a:ext uri="{96DAC541-7B7A-43D3-8B79-37D633B846F1}">
+                <asvg:svgBlip xmlns:asvg="http://schemas.microsoft.com/office/drawing/2016/SVG/main" r:embed="rId8"/>
+              </a:ext>
+            </a:extLst>
+          </a:blip>
+          <a:stretch>
+            <a:fillRect/>
+          </a:stretch>
+        </p:blipFill>
+        <p:spPr>
+          <a:xfrm rot="20688846">
+            <a:off x="134822" y="2792529"/>
+            <a:ext cx="914400" cy="914400"/>
+          </a:xfrm>
+          <a:prstGeom prst="rect">
+            <a:avLst/>
+          </a:prstGeom>
+        </p:spPr>
+      </p:pic>
+      <p:pic>
+        <p:nvPicPr>
+          <p:cNvPr id="9" name="Graphic 8" descr="Badge 4 with solid fill">
+            <a:extLst>
+              <a:ext uri="{FF2B5EF4-FFF2-40B4-BE49-F238E27FC236}">
+                <a16:creationId xmlns:a16="http://schemas.microsoft.com/office/drawing/2014/main" id="{4C76BCD2-1682-5D0F-C942-C8D5A127D0FF}"/>
+              </a:ext>
+            </a:extLst>
+          </p:cNvPr>
+          <p:cNvPicPr>
+            <a:picLocks noChangeAspect="1"/>
+          </p:cNvPicPr>
+          <p:nvPr/>
+        </p:nvPicPr>
+        <p:blipFill>
+          <a:blip r:embed="rId9">
+            <a:extLst>
+              <a:ext uri="{96DAC541-7B7A-43D3-8B79-37D633B846F1}">
+                <asvg:svgBlip xmlns:asvg="http://schemas.microsoft.com/office/drawing/2016/SVG/main" r:embed="rId10"/>
+              </a:ext>
+            </a:extLst>
+          </a:blip>
+          <a:stretch>
+            <a:fillRect/>
+          </a:stretch>
+        </p:blipFill>
+        <p:spPr>
+          <a:xfrm rot="693099">
+            <a:off x="107775" y="3669601"/>
+            <a:ext cx="914400" cy="914400"/>
+          </a:xfrm>
+          <a:prstGeom prst="rect">
+            <a:avLst/>
+          </a:prstGeom>
+        </p:spPr>
+      </p:pic>
+      <p:pic>
+        <p:nvPicPr>
+          <p:cNvPr id="10" name="Graphic 9" descr="Badge 5 with solid fill">
+            <a:extLst>
+              <a:ext uri="{FF2B5EF4-FFF2-40B4-BE49-F238E27FC236}">
+                <a16:creationId xmlns:a16="http://schemas.microsoft.com/office/drawing/2014/main" id="{7E638CDB-9C2C-A552-9EFD-CAFB7670D358}"/>
+              </a:ext>
+            </a:extLst>
+          </p:cNvPr>
+          <p:cNvPicPr>
+            <a:picLocks noChangeAspect="1"/>
+          </p:cNvPicPr>
+          <p:nvPr/>
+        </p:nvPicPr>
+        <p:blipFill>
+          <a:blip r:embed="rId11">
+            <a:extLst>
+              <a:ext uri="{96DAC541-7B7A-43D3-8B79-37D633B846F1}">
+                <asvg:svgBlip xmlns:asvg="http://schemas.microsoft.com/office/drawing/2016/SVG/main" r:embed="rId12"/>
+              </a:ext>
+            </a:extLst>
+          </a:blip>
+          <a:stretch>
+            <a:fillRect/>
+          </a:stretch>
+        </p:blipFill>
+        <p:spPr>
+          <a:xfrm rot="20973659">
+            <a:off x="163350" y="4554426"/>
+            <a:ext cx="914400" cy="914400"/>
+          </a:xfrm>
+          <a:prstGeom prst="rect">
+            <a:avLst/>
+          </a:prstGeom>
+        </p:spPr>
+      </p:pic>
     </p:spTree>
     <p:extLst>
       <p:ext uri="{BB962C8B-B14F-4D97-AF65-F5344CB8AC3E}">
@@ -3764,6 +3944,186 @@
           </a:p>
         </p:txBody>
       </p:sp>
+      <p:pic>
+        <p:nvPicPr>
+          <p:cNvPr id="5" name="Graphic 4" descr="Badge 1 with solid fill">
+            <a:extLst>
+              <a:ext uri="{FF2B5EF4-FFF2-40B4-BE49-F238E27FC236}">
+                <a16:creationId xmlns:a16="http://schemas.microsoft.com/office/drawing/2014/main" id="{BF6FBFF2-036E-63B2-FF5F-C6C621EBD5E4}"/>
+              </a:ext>
+            </a:extLst>
+          </p:cNvPr>
+          <p:cNvPicPr>
+            <a:picLocks noChangeAspect="1"/>
+          </p:cNvPicPr>
+          <p:nvPr/>
+        </p:nvPicPr>
+        <p:blipFill>
+          <a:blip r:embed="rId2">
+            <a:extLst>
+              <a:ext uri="{96DAC541-7B7A-43D3-8B79-37D633B846F1}">
+                <asvg:svgBlip xmlns:asvg="http://schemas.microsoft.com/office/drawing/2016/SVG/main" r:embed="rId3"/>
+              </a:ext>
+            </a:extLst>
+          </a:blip>
+          <a:stretch>
+            <a:fillRect/>
+          </a:stretch>
+        </p:blipFill>
+        <p:spPr>
+          <a:xfrm>
+            <a:off x="260635" y="1690688"/>
+            <a:ext cx="914400" cy="914400"/>
+          </a:xfrm>
+          <a:prstGeom prst="rect">
+            <a:avLst/>
+          </a:prstGeom>
+        </p:spPr>
+      </p:pic>
+      <p:pic>
+        <p:nvPicPr>
+          <p:cNvPr id="7" name="Graphic 6" descr="Badge with solid fill">
+            <a:extLst>
+              <a:ext uri="{FF2B5EF4-FFF2-40B4-BE49-F238E27FC236}">
+                <a16:creationId xmlns:a16="http://schemas.microsoft.com/office/drawing/2014/main" id="{FBC07ED6-116A-52F3-A0BE-CC7F035034A0}"/>
+              </a:ext>
+            </a:extLst>
+          </p:cNvPr>
+          <p:cNvPicPr>
+            <a:picLocks noChangeAspect="1"/>
+          </p:cNvPicPr>
+          <p:nvPr/>
+        </p:nvPicPr>
+        <p:blipFill>
+          <a:blip r:embed="rId4">
+            <a:extLst>
+              <a:ext uri="{96DAC541-7B7A-43D3-8B79-37D633B846F1}">
+                <asvg:svgBlip xmlns:asvg="http://schemas.microsoft.com/office/drawing/2016/SVG/main" r:embed="rId5"/>
+              </a:ext>
+            </a:extLst>
+          </a:blip>
+          <a:stretch>
+            <a:fillRect/>
+          </a:stretch>
+        </p:blipFill>
+        <p:spPr>
+          <a:xfrm>
+            <a:off x="260635" y="2514600"/>
+            <a:ext cx="914400" cy="914400"/>
+          </a:xfrm>
+          <a:prstGeom prst="rect">
+            <a:avLst/>
+          </a:prstGeom>
+        </p:spPr>
+      </p:pic>
+      <p:pic>
+        <p:nvPicPr>
+          <p:cNvPr id="9" name="Graphic 8" descr="Badge 3 with solid fill">
+            <a:extLst>
+              <a:ext uri="{FF2B5EF4-FFF2-40B4-BE49-F238E27FC236}">
+                <a16:creationId xmlns:a16="http://schemas.microsoft.com/office/drawing/2014/main" id="{9D029ED3-AD96-9A2B-CD49-28B9B4956BD0}"/>
+              </a:ext>
+            </a:extLst>
+          </p:cNvPr>
+          <p:cNvPicPr>
+            <a:picLocks noChangeAspect="1"/>
+          </p:cNvPicPr>
+          <p:nvPr/>
+        </p:nvPicPr>
+        <p:blipFill>
+          <a:blip r:embed="rId6">
+            <a:extLst>
+              <a:ext uri="{96DAC541-7B7A-43D3-8B79-37D633B846F1}">
+                <asvg:svgBlip xmlns:asvg="http://schemas.microsoft.com/office/drawing/2016/SVG/main" r:embed="rId7"/>
+              </a:ext>
+            </a:extLst>
+          </a:blip>
+          <a:stretch>
+            <a:fillRect/>
+          </a:stretch>
+        </p:blipFill>
+        <p:spPr>
+          <a:xfrm>
+            <a:off x="260635" y="3338512"/>
+            <a:ext cx="914400" cy="914400"/>
+          </a:xfrm>
+          <a:prstGeom prst="rect">
+            <a:avLst/>
+          </a:prstGeom>
+        </p:spPr>
+      </p:pic>
+      <p:pic>
+        <p:nvPicPr>
+          <p:cNvPr id="11" name="Graphic 10" descr="Badge 4 with solid fill">
+            <a:extLst>
+              <a:ext uri="{FF2B5EF4-FFF2-40B4-BE49-F238E27FC236}">
+                <a16:creationId xmlns:a16="http://schemas.microsoft.com/office/drawing/2014/main" id="{DE410A6B-8834-6A4B-F139-B7A36C90B6E0}"/>
+              </a:ext>
+            </a:extLst>
+          </p:cNvPr>
+          <p:cNvPicPr>
+            <a:picLocks noChangeAspect="1"/>
+          </p:cNvPicPr>
+          <p:nvPr/>
+        </p:nvPicPr>
+        <p:blipFill>
+          <a:blip r:embed="rId8">
+            <a:extLst>
+              <a:ext uri="{96DAC541-7B7A-43D3-8B79-37D633B846F1}">
+                <asvg:svgBlip xmlns:asvg="http://schemas.microsoft.com/office/drawing/2016/SVG/main" r:embed="rId9"/>
+              </a:ext>
+            </a:extLst>
+          </a:blip>
+          <a:stretch>
+            <a:fillRect/>
+          </a:stretch>
+        </p:blipFill>
+        <p:spPr>
+          <a:xfrm>
+            <a:off x="260635" y="3861625"/>
+            <a:ext cx="914400" cy="914400"/>
+          </a:xfrm>
+          <a:prstGeom prst="rect">
+            <a:avLst/>
+          </a:prstGeom>
+        </p:spPr>
+      </p:pic>
+      <p:pic>
+        <p:nvPicPr>
+          <p:cNvPr id="13" name="Graphic 12" descr="Badge 5 with solid fill">
+            <a:extLst>
+              <a:ext uri="{FF2B5EF4-FFF2-40B4-BE49-F238E27FC236}">
+                <a16:creationId xmlns:a16="http://schemas.microsoft.com/office/drawing/2014/main" id="{DBABDF88-4A1C-9A7D-0477-F01F614F88D7}"/>
+              </a:ext>
+            </a:extLst>
+          </p:cNvPr>
+          <p:cNvPicPr>
+            <a:picLocks noChangeAspect="1"/>
+          </p:cNvPicPr>
+          <p:nvPr/>
+        </p:nvPicPr>
+        <p:blipFill>
+          <a:blip r:embed="rId10">
+            <a:extLst>
+              <a:ext uri="{96DAC541-7B7A-43D3-8B79-37D633B846F1}">
+                <asvg:svgBlip xmlns:asvg="http://schemas.microsoft.com/office/drawing/2016/SVG/main" r:embed="rId11"/>
+              </a:ext>
+            </a:extLst>
+          </a:blip>
+          <a:stretch>
+            <a:fillRect/>
+          </a:stretch>
+        </p:blipFill>
+        <p:spPr>
+          <a:xfrm>
+            <a:off x="260635" y="4387849"/>
+            <a:ext cx="914400" cy="914400"/>
+          </a:xfrm>
+          <a:prstGeom prst="rect">
+            <a:avLst/>
+          </a:prstGeom>
+        </p:spPr>
+      </p:pic>
     </p:spTree>
     <p:extLst>
       <p:ext uri="{BB962C8B-B14F-4D97-AF65-F5344CB8AC3E}">
@@ -4150,15 +4510,7 @@
           <a:p>
             <a:r>
               <a:rPr lang="en-US" dirty="0"/>
-              <a:t>My early “clean” data had some pretty weird results, including about 4 million extra votes </a:t>
-            </a:r>
-            <a:r>
-              <a:rPr lang="en-US"/>
-              <a:t>for “other</a:t>
-            </a:r>
-            <a:r>
-              <a:rPr lang="en-US" dirty="0"/>
-              <a:t>” candidates</a:t>
+              <a:t>My early “clean” data had some pretty weird results, including about 4 million extra votes for “other” candidates</a:t>
             </a:r>
           </a:p>
           <a:p>
@@ -4908,6 +5260,114 @@
           </a:prstGeom>
         </p:spPr>
       </p:pic>
+      <p:pic>
+        <p:nvPicPr>
+          <p:cNvPr id="11" name="Graphic 10" descr="Badge with solid fill">
+            <a:extLst>
+              <a:ext uri="{FF2B5EF4-FFF2-40B4-BE49-F238E27FC236}">
+                <a16:creationId xmlns:a16="http://schemas.microsoft.com/office/drawing/2014/main" id="{B49512C6-3246-C311-3CE8-52A7B9DD85FA}"/>
+              </a:ext>
+            </a:extLst>
+          </p:cNvPr>
+          <p:cNvPicPr>
+            <a:picLocks noChangeAspect="1"/>
+          </p:cNvPicPr>
+          <p:nvPr/>
+        </p:nvPicPr>
+        <p:blipFill>
+          <a:blip r:embed="rId3">
+            <a:extLst>
+              <a:ext uri="{96DAC541-7B7A-43D3-8B79-37D633B846F1}">
+                <asvg:svgBlip xmlns:asvg="http://schemas.microsoft.com/office/drawing/2016/SVG/main" r:embed="rId4"/>
+              </a:ext>
+            </a:extLst>
+          </a:blip>
+          <a:stretch>
+            <a:fillRect/>
+          </a:stretch>
+        </p:blipFill>
+        <p:spPr>
+          <a:xfrm rot="20594867">
+            <a:off x="10821956" y="950976"/>
+            <a:ext cx="914400" cy="914400"/>
+          </a:xfrm>
+          <a:prstGeom prst="rect">
+            <a:avLst/>
+          </a:prstGeom>
+        </p:spPr>
+      </p:pic>
+      <p:pic>
+        <p:nvPicPr>
+          <p:cNvPr id="12" name="Graphic 11" descr="Badge 3 with solid fill">
+            <a:extLst>
+              <a:ext uri="{FF2B5EF4-FFF2-40B4-BE49-F238E27FC236}">
+                <a16:creationId xmlns:a16="http://schemas.microsoft.com/office/drawing/2014/main" id="{3D0238A5-2615-47A1-E380-6DC718FAF391}"/>
+              </a:ext>
+            </a:extLst>
+          </p:cNvPr>
+          <p:cNvPicPr>
+            <a:picLocks noChangeAspect="1"/>
+          </p:cNvPicPr>
+          <p:nvPr/>
+        </p:nvPicPr>
+        <p:blipFill>
+          <a:blip r:embed="rId5">
+            <a:extLst>
+              <a:ext uri="{96DAC541-7B7A-43D3-8B79-37D633B846F1}">
+                <asvg:svgBlip xmlns:asvg="http://schemas.microsoft.com/office/drawing/2016/SVG/main" r:embed="rId6"/>
+              </a:ext>
+            </a:extLst>
+          </a:blip>
+          <a:stretch>
+            <a:fillRect/>
+          </a:stretch>
+        </p:blipFill>
+        <p:spPr>
+          <a:xfrm rot="901544">
+            <a:off x="10839211" y="1803262"/>
+            <a:ext cx="914400" cy="914400"/>
+          </a:xfrm>
+          <a:prstGeom prst="rect">
+            <a:avLst/>
+          </a:prstGeom>
+        </p:spPr>
+      </p:pic>
+      <p:pic>
+        <p:nvPicPr>
+          <p:cNvPr id="13" name="Graphic 12" descr="Badge 4 with solid fill">
+            <a:extLst>
+              <a:ext uri="{FF2B5EF4-FFF2-40B4-BE49-F238E27FC236}">
+                <a16:creationId xmlns:a16="http://schemas.microsoft.com/office/drawing/2014/main" id="{7DE9E6B7-505A-46C6-E624-CCF2030BCC10}"/>
+              </a:ext>
+            </a:extLst>
+          </p:cNvPr>
+          <p:cNvPicPr>
+            <a:picLocks noChangeAspect="1"/>
+          </p:cNvPicPr>
+          <p:nvPr/>
+        </p:nvPicPr>
+        <p:blipFill>
+          <a:blip r:embed="rId7">
+            <a:extLst>
+              <a:ext uri="{96DAC541-7B7A-43D3-8B79-37D633B846F1}">
+                <asvg:svgBlip xmlns:asvg="http://schemas.microsoft.com/office/drawing/2016/SVG/main" r:embed="rId8"/>
+              </a:ext>
+            </a:extLst>
+          </a:blip>
+          <a:stretch>
+            <a:fillRect/>
+          </a:stretch>
+        </p:blipFill>
+        <p:spPr>
+          <a:xfrm rot="20877016">
+            <a:off x="10794952" y="2637824"/>
+            <a:ext cx="914400" cy="914400"/>
+          </a:xfrm>
+          <a:prstGeom prst="rect">
+            <a:avLst/>
+          </a:prstGeom>
+        </p:spPr>
+      </p:pic>
     </p:spTree>
     <p:extLst>
       <p:ext uri="{BB962C8B-B14F-4D97-AF65-F5344CB8AC3E}">
@@ -5035,6 +5495,78 @@
           <a:xfrm>
             <a:off x="6096000" y="1234435"/>
             <a:ext cx="5852172" cy="4389129"/>
+          </a:xfrm>
+          <a:prstGeom prst="rect">
+            <a:avLst/>
+          </a:prstGeom>
+        </p:spPr>
+      </p:pic>
+      <p:pic>
+        <p:nvPicPr>
+          <p:cNvPr id="12" name="Graphic 11" descr="Badge 1 with solid fill">
+            <a:extLst>
+              <a:ext uri="{FF2B5EF4-FFF2-40B4-BE49-F238E27FC236}">
+                <a16:creationId xmlns:a16="http://schemas.microsoft.com/office/drawing/2014/main" id="{664E8572-4628-8ED9-3105-3B6AD5CA87AD}"/>
+              </a:ext>
+            </a:extLst>
+          </p:cNvPr>
+          <p:cNvPicPr>
+            <a:picLocks noChangeAspect="1"/>
+          </p:cNvPicPr>
+          <p:nvPr/>
+        </p:nvPicPr>
+        <p:blipFill>
+          <a:blip r:embed="rId3">
+            <a:extLst>
+              <a:ext uri="{96DAC541-7B7A-43D3-8B79-37D633B846F1}">
+                <asvg:svgBlip xmlns:asvg="http://schemas.microsoft.com/office/drawing/2016/SVG/main" r:embed="rId4"/>
+              </a:ext>
+            </a:extLst>
+          </a:blip>
+          <a:stretch>
+            <a:fillRect/>
+          </a:stretch>
+        </p:blipFill>
+        <p:spPr>
+          <a:xfrm rot="20837719">
+            <a:off x="7196176" y="5712921"/>
+            <a:ext cx="914400" cy="914400"/>
+          </a:xfrm>
+          <a:prstGeom prst="rect">
+            <a:avLst/>
+          </a:prstGeom>
+        </p:spPr>
+      </p:pic>
+      <p:pic>
+        <p:nvPicPr>
+          <p:cNvPr id="13" name="Graphic 12" descr="Badge 4 with solid fill">
+            <a:extLst>
+              <a:ext uri="{FF2B5EF4-FFF2-40B4-BE49-F238E27FC236}">
+                <a16:creationId xmlns:a16="http://schemas.microsoft.com/office/drawing/2014/main" id="{91CCF1BD-1FD6-17BE-C2A0-6901FD0BEFA9}"/>
+              </a:ext>
+            </a:extLst>
+          </p:cNvPr>
+          <p:cNvPicPr>
+            <a:picLocks noChangeAspect="1"/>
+          </p:cNvPicPr>
+          <p:nvPr/>
+        </p:nvPicPr>
+        <p:blipFill>
+          <a:blip r:embed="rId5">
+            <a:extLst>
+              <a:ext uri="{96DAC541-7B7A-43D3-8B79-37D633B846F1}">
+                <asvg:svgBlip xmlns:asvg="http://schemas.microsoft.com/office/drawing/2016/SVG/main" r:embed="rId6"/>
+              </a:ext>
+            </a:extLst>
+          </a:blip>
+          <a:stretch>
+            <a:fillRect/>
+          </a:stretch>
+        </p:blipFill>
+        <p:spPr>
+          <a:xfrm rot="553650">
+            <a:off x="8107686" y="5719763"/>
+            <a:ext cx="914400" cy="914400"/>
           </a:xfrm>
           <a:prstGeom prst="rect">
             <a:avLst/>
@@ -5157,6 +5689,150 @@
           <a:xfrm>
             <a:off x="609589" y="1258088"/>
             <a:ext cx="10972822" cy="5486411"/>
+          </a:xfrm>
+          <a:prstGeom prst="rect">
+            <a:avLst/>
+          </a:prstGeom>
+        </p:spPr>
+      </p:pic>
+      <p:pic>
+        <p:nvPicPr>
+          <p:cNvPr id="6" name="Graphic 5" descr="Badge 1 with solid fill">
+            <a:extLst>
+              <a:ext uri="{FF2B5EF4-FFF2-40B4-BE49-F238E27FC236}">
+                <a16:creationId xmlns:a16="http://schemas.microsoft.com/office/drawing/2014/main" id="{8D733000-C277-8BC2-9374-114C99D0D98A}"/>
+              </a:ext>
+            </a:extLst>
+          </p:cNvPr>
+          <p:cNvPicPr>
+            <a:picLocks noChangeAspect="1"/>
+          </p:cNvPicPr>
+          <p:nvPr/>
+        </p:nvPicPr>
+        <p:blipFill>
+          <a:blip r:embed="rId3">
+            <a:extLst>
+              <a:ext uri="{96DAC541-7B7A-43D3-8B79-37D633B846F1}">
+                <asvg:svgBlip xmlns:asvg="http://schemas.microsoft.com/office/drawing/2016/SVG/main" r:embed="rId4"/>
+              </a:ext>
+            </a:extLst>
+          </a:blip>
+          <a:stretch>
+            <a:fillRect/>
+          </a:stretch>
+        </p:blipFill>
+        <p:spPr>
+          <a:xfrm rot="855638">
+            <a:off x="10798087" y="921944"/>
+            <a:ext cx="914400" cy="914400"/>
+          </a:xfrm>
+          <a:prstGeom prst="rect">
+            <a:avLst/>
+          </a:prstGeom>
+        </p:spPr>
+      </p:pic>
+      <p:pic>
+        <p:nvPicPr>
+          <p:cNvPr id="7" name="Graphic 6" descr="Badge with solid fill">
+            <a:extLst>
+              <a:ext uri="{FF2B5EF4-FFF2-40B4-BE49-F238E27FC236}">
+                <a16:creationId xmlns:a16="http://schemas.microsoft.com/office/drawing/2014/main" id="{A6258E78-5F5F-6266-846C-8C259E0F0A5D}"/>
+              </a:ext>
+            </a:extLst>
+          </p:cNvPr>
+          <p:cNvPicPr>
+            <a:picLocks noChangeAspect="1"/>
+          </p:cNvPicPr>
+          <p:nvPr/>
+        </p:nvPicPr>
+        <p:blipFill>
+          <a:blip r:embed="rId5">
+            <a:extLst>
+              <a:ext uri="{96DAC541-7B7A-43D3-8B79-37D633B846F1}">
+                <asvg:svgBlip xmlns:asvg="http://schemas.microsoft.com/office/drawing/2016/SVG/main" r:embed="rId6"/>
+              </a:ext>
+            </a:extLst>
+          </a:blip>
+          <a:stretch>
+            <a:fillRect/>
+          </a:stretch>
+        </p:blipFill>
+        <p:spPr>
+          <a:xfrm rot="20889460">
+            <a:off x="10583916" y="1909720"/>
+            <a:ext cx="914400" cy="914400"/>
+          </a:xfrm>
+          <a:prstGeom prst="rect">
+            <a:avLst/>
+          </a:prstGeom>
+        </p:spPr>
+      </p:pic>
+      <p:pic>
+        <p:nvPicPr>
+          <p:cNvPr id="8" name="Graphic 7" descr="Badge 3 with solid fill">
+            <a:extLst>
+              <a:ext uri="{FF2B5EF4-FFF2-40B4-BE49-F238E27FC236}">
+                <a16:creationId xmlns:a16="http://schemas.microsoft.com/office/drawing/2014/main" id="{D169333E-03E5-58BE-4103-1620948E2371}"/>
+              </a:ext>
+            </a:extLst>
+          </p:cNvPr>
+          <p:cNvPicPr>
+            <a:picLocks noChangeAspect="1"/>
+          </p:cNvPicPr>
+          <p:nvPr/>
+        </p:nvPicPr>
+        <p:blipFill>
+          <a:blip r:embed="rId7">
+            <a:extLst>
+              <a:ext uri="{96DAC541-7B7A-43D3-8B79-37D633B846F1}">
+                <asvg:svgBlip xmlns:asvg="http://schemas.microsoft.com/office/drawing/2016/SVG/main" r:embed="rId8"/>
+              </a:ext>
+            </a:extLst>
+          </a:blip>
+          <a:stretch>
+            <a:fillRect/>
+          </a:stretch>
+        </p:blipFill>
+        <p:spPr>
+          <a:xfrm rot="705958">
+            <a:off x="11065334" y="2667274"/>
+            <a:ext cx="914400" cy="914400"/>
+          </a:xfrm>
+          <a:prstGeom prst="rect">
+            <a:avLst/>
+          </a:prstGeom>
+        </p:spPr>
+      </p:pic>
+      <p:pic>
+        <p:nvPicPr>
+          <p:cNvPr id="9" name="Graphic 8" descr="Badge 4 with solid fill">
+            <a:extLst>
+              <a:ext uri="{FF2B5EF4-FFF2-40B4-BE49-F238E27FC236}">
+                <a16:creationId xmlns:a16="http://schemas.microsoft.com/office/drawing/2014/main" id="{B9E583D3-C6DF-6938-1553-C6FF154CF25D}"/>
+              </a:ext>
+            </a:extLst>
+          </p:cNvPr>
+          <p:cNvPicPr>
+            <a:picLocks noChangeAspect="1"/>
+          </p:cNvPicPr>
+          <p:nvPr/>
+        </p:nvPicPr>
+        <p:blipFill>
+          <a:blip r:embed="rId9">
+            <a:extLst>
+              <a:ext uri="{96DAC541-7B7A-43D3-8B79-37D633B846F1}">
+                <asvg:svgBlip xmlns:asvg="http://schemas.microsoft.com/office/drawing/2016/SVG/main" r:embed="rId10"/>
+              </a:ext>
+            </a:extLst>
+          </a:blip>
+          <a:stretch>
+            <a:fillRect/>
+          </a:stretch>
+        </p:blipFill>
+        <p:spPr>
+          <a:xfrm rot="20754633">
+            <a:off x="10597364" y="3654532"/>
+            <a:ext cx="914400" cy="914400"/>
           </a:xfrm>
           <a:prstGeom prst="rect">
             <a:avLst/>
@@ -5309,6 +5985,42 @@
           </a:p>
         </p:txBody>
       </p:sp>
+      <p:pic>
+        <p:nvPicPr>
+          <p:cNvPr id="8" name="Graphic 7" descr="Badge with solid fill">
+            <a:extLst>
+              <a:ext uri="{FF2B5EF4-FFF2-40B4-BE49-F238E27FC236}">
+                <a16:creationId xmlns:a16="http://schemas.microsoft.com/office/drawing/2014/main" id="{39F2F9FF-0D38-B684-8A38-AB780A3998E5}"/>
+              </a:ext>
+            </a:extLst>
+          </p:cNvPr>
+          <p:cNvPicPr>
+            <a:picLocks noChangeAspect="1"/>
+          </p:cNvPicPr>
+          <p:nvPr/>
+        </p:nvPicPr>
+        <p:blipFill>
+          <a:blip r:embed="rId3">
+            <a:extLst>
+              <a:ext uri="{96DAC541-7B7A-43D3-8B79-37D633B846F1}">
+                <asvg:svgBlip xmlns:asvg="http://schemas.microsoft.com/office/drawing/2016/SVG/main" r:embed="rId4"/>
+              </a:ext>
+            </a:extLst>
+          </a:blip>
+          <a:stretch>
+            <a:fillRect/>
+          </a:stretch>
+        </p:blipFill>
+        <p:spPr>
+          <a:xfrm rot="790597">
+            <a:off x="11334018" y="1368425"/>
+            <a:ext cx="914400" cy="914400"/>
+          </a:xfrm>
+          <a:prstGeom prst="rect">
+            <a:avLst/>
+          </a:prstGeom>
+        </p:spPr>
+      </p:pic>
     </p:spTree>
     <p:extLst>
       <p:ext uri="{BB962C8B-B14F-4D97-AF65-F5344CB8AC3E}">

--- a/report.pptx
+++ b/report.pptx
@@ -3589,6 +3589,36 @@
           <a:chExt cx="0" cy="0"/>
         </a:xfrm>
       </p:grpSpPr>
+      <p:pic>
+        <p:nvPicPr>
+          <p:cNvPr id="14" name="Picture 13">
+            <a:extLst>
+              <a:ext uri="{FF2B5EF4-FFF2-40B4-BE49-F238E27FC236}">
+                <a16:creationId xmlns:a16="http://schemas.microsoft.com/office/drawing/2014/main" id="{78952F40-9146-FB15-103C-0CA6B61F077A}"/>
+              </a:ext>
+            </a:extLst>
+          </p:cNvPr>
+          <p:cNvPicPr>
+            <a:picLocks noChangeAspect="1"/>
+          </p:cNvPicPr>
+          <p:nvPr/>
+        </p:nvPicPr>
+        <p:blipFill>
+          <a:blip r:embed="rId2"/>
+          <a:stretch>
+            <a:fillRect/>
+          </a:stretch>
+        </p:blipFill>
+        <p:spPr>
+          <a:xfrm>
+            <a:off x="1112423" y="102295"/>
+            <a:ext cx="10515601" cy="6653410"/>
+          </a:xfrm>
+          <a:prstGeom prst="rect">
+            <a:avLst/>
+          </a:prstGeom>
+        </p:spPr>
+      </p:pic>
       <p:sp>
         <p:nvSpPr>
           <p:cNvPr id="2" name="Title 1">
@@ -3617,40 +3647,6 @@
           </a:p>
         </p:txBody>
       </p:sp>
-      <p:pic>
-        <p:nvPicPr>
-          <p:cNvPr id="5" name="Content Placeholder 4" descr="A group of white squares with black and red squares&#10;&#10;Description automatically generated">
-            <a:extLst>
-              <a:ext uri="{FF2B5EF4-FFF2-40B4-BE49-F238E27FC236}">
-                <a16:creationId xmlns:a16="http://schemas.microsoft.com/office/drawing/2014/main" id="{019918E3-9EAC-4E9D-5A9C-47BC7206D13B}"/>
-              </a:ext>
-            </a:extLst>
-          </p:cNvPr>
-          <p:cNvPicPr>
-            <a:picLocks noGrp="1" noChangeAspect="1"/>
-          </p:cNvPicPr>
-          <p:nvPr>
-            <p:ph idx="1"/>
-          </p:nvPr>
-        </p:nvPicPr>
-        <p:blipFill rotWithShape="1">
-          <a:blip r:embed="rId2">
-            <a:extLst>
-              <a:ext uri="{28A0092B-C50C-407E-A947-70E740481C1C}">
-                <a14:useLocalDpi xmlns:a14="http://schemas.microsoft.com/office/drawing/2010/main" val="0"/>
-              </a:ext>
-            </a:extLst>
-          </a:blip>
-          <a:srcRect l="6347" t="6256" r="5919" b="4404"/>
-          <a:stretch/>
-        </p:blipFill>
-        <p:spPr>
-          <a:xfrm>
-            <a:off x="1043473" y="0"/>
-            <a:ext cx="10105053" cy="6860019"/>
-          </a:xfrm>
-        </p:spPr>
-      </p:pic>
       <p:pic>
         <p:nvPicPr>
           <p:cNvPr id="6" name="Graphic 5" descr="Badge 1 with solid fill">
@@ -4503,9 +4499,16 @@
             <p:ph idx="1"/>
           </p:nvPr>
         </p:nvSpPr>
-        <p:spPr/>
-        <p:txBody>
-          <a:bodyPr/>
+        <p:spPr>
+          <a:xfrm>
+            <a:off x="838200" y="1825626"/>
+            <a:ext cx="10515600" cy="2291080"/>
+          </a:xfrm>
+        </p:spPr>
+        <p:txBody>
+          <a:bodyPr>
+            <a:normAutofit lnSpcReduction="10000"/>
+          </a:bodyPr>
           <a:lstStyle/>
           <a:p>
             <a:r>
@@ -4516,7 +4519,7 @@
           <a:p>
             <a:r>
               <a:rPr lang="en-US" dirty="0"/>
-              <a:t>I compared my clean data to the official counts from the FEC. I’m within 0.8% for the national numbers, which feels just barely adequate.</a:t>
+              <a:t>I compared my final clean data to the official counts from the FEC. I’m within 0.8% for the national numbers, which feels barely adequate. I’d like to improve this, especially the extra “other” votes.</a:t>
             </a:r>
           </a:p>
           <a:p>
@@ -4539,7 +4542,7 @@
           <p:nvPr>
             <p:extLst>
               <p:ext uri="{D42A27DB-BD31-4B8C-83A1-F6EECF244321}">
-                <p14:modId xmlns:p14="http://schemas.microsoft.com/office/powerpoint/2010/main" val="1487743757"/>
+                <p14:modId xmlns:p14="http://schemas.microsoft.com/office/powerpoint/2010/main" val="1232858766"/>
               </p:ext>
             </p:extLst>
           </p:nvPr>
@@ -5018,12 +5021,15 @@
             </a:r>
           </a:p>
           <a:p>
-            <a:endParaRPr lang="en-US" dirty="0"/>
-          </a:p>
-          <a:p>
             <a:r>
               <a:rPr lang="en-US" dirty="0"/>
-              <a:t>I was interested to see that BOTH major candidates got a higher percentage of votes in 2020 than they did in 2016. They got votes from the “other” candidates – and the Democrats got more.</a:t>
+              <a:t>And I did not consider Electoral College counts.</a:t>
+            </a:r>
+          </a:p>
+          <a:p>
+            <a:r>
+              <a:rPr lang="en-US" dirty="0"/>
+              <a:t>I was interested to see that BOTH major candidates got a higher percentage of votes in 2020 than they did in 2016.</a:t>
             </a:r>
           </a:p>
         </p:txBody>
@@ -5324,7 +5330,7 @@
         </p:blipFill>
         <p:spPr>
           <a:xfrm rot="901544">
-            <a:off x="10839211" y="1803262"/>
+            <a:off x="11165633" y="1433929"/>
             <a:ext cx="914400" cy="914400"/>
           </a:xfrm>
           <a:prstGeom prst="rect">
@@ -5360,7 +5366,7 @@
         </p:blipFill>
         <p:spPr>
           <a:xfrm rot="20877016">
-            <a:off x="10794952" y="2637824"/>
+            <a:off x="10666469" y="1910997"/>
             <a:ext cx="914400" cy="914400"/>
           </a:xfrm>
           <a:prstGeom prst="rect">
@@ -5529,7 +5535,7 @@
         </p:blipFill>
         <p:spPr>
           <a:xfrm rot="20837719">
-            <a:off x="7196176" y="5712921"/>
+            <a:off x="9111441" y="514108"/>
             <a:ext cx="914400" cy="914400"/>
           </a:xfrm>
           <a:prstGeom prst="rect">
@@ -5565,7 +5571,7 @@
         </p:blipFill>
         <p:spPr>
           <a:xfrm rot="553650">
-            <a:off x="8107686" y="5719763"/>
+            <a:off x="9752701" y="603534"/>
             <a:ext cx="914400" cy="914400"/>
           </a:xfrm>
           <a:prstGeom prst="rect">
@@ -5603,75 +5609,21 @@
           <a:chExt cx="0" cy="0"/>
         </a:xfrm>
       </p:grpSpPr>
-      <p:sp>
-        <p:nvSpPr>
-          <p:cNvPr id="2" name="Title 1">
-            <a:extLst>
-              <a:ext uri="{FF2B5EF4-FFF2-40B4-BE49-F238E27FC236}">
-                <a16:creationId xmlns:a16="http://schemas.microsoft.com/office/drawing/2014/main" id="{B3E8F7E0-E05A-D22A-6764-B458FF87474F}"/>
-              </a:ext>
-            </a:extLst>
-          </p:cNvPr>
-          <p:cNvSpPr>
-            <a:spLocks noGrp="1"/>
-          </p:cNvSpPr>
-          <p:nvPr>
-            <p:ph type="title"/>
-          </p:nvPr>
-        </p:nvSpPr>
-        <p:spPr/>
-        <p:txBody>
-          <a:bodyPr/>
-          <a:lstStyle/>
-          <a:p>
-            <a:r>
-              <a:rPr lang="en-US" dirty="0"/>
-              <a:t>…and Where Did They Go?</a:t>
-            </a:r>
-          </a:p>
-        </p:txBody>
-      </p:sp>
-      <p:sp>
-        <p:nvSpPr>
-          <p:cNvPr id="3" name="Content Placeholder 2">
-            <a:extLst>
-              <a:ext uri="{FF2B5EF4-FFF2-40B4-BE49-F238E27FC236}">
-                <a16:creationId xmlns:a16="http://schemas.microsoft.com/office/drawing/2014/main" id="{DC24DD1E-B7C9-A590-D713-27E7D535874E}"/>
-              </a:ext>
-            </a:extLst>
-          </p:cNvPr>
-          <p:cNvSpPr>
-            <a:spLocks noGrp="1"/>
-          </p:cNvSpPr>
-          <p:nvPr>
-            <p:ph idx="1"/>
-          </p:nvPr>
-        </p:nvSpPr>
-        <p:spPr/>
-        <p:txBody>
-          <a:bodyPr/>
-          <a:lstStyle/>
-          <a:p>
-            <a:pPr marL="0" indent="0">
-              <a:buNone/>
-            </a:pPr>
-            <a:endParaRPr lang="en-US" dirty="0"/>
-          </a:p>
-        </p:txBody>
-      </p:sp>
       <p:pic>
         <p:nvPicPr>
-          <p:cNvPr id="5" name="Picture 4" descr="A graph of a graph with a number of different colored squares&#10;&#10;Description automatically generated with medium confidence">
-            <a:extLst>
-              <a:ext uri="{FF2B5EF4-FFF2-40B4-BE49-F238E27FC236}">
-                <a16:creationId xmlns:a16="http://schemas.microsoft.com/office/drawing/2014/main" id="{7C8E6050-0961-13C1-2F8C-BC49210212C1}"/>
+          <p:cNvPr id="11" name="Content Placeholder 10" descr="A graph of a graph with a number of different colored squares&#10;&#10;Description automatically generated with medium confidence">
+            <a:extLst>
+              <a:ext uri="{FF2B5EF4-FFF2-40B4-BE49-F238E27FC236}">
+                <a16:creationId xmlns:a16="http://schemas.microsoft.com/office/drawing/2014/main" id="{D23F6FFE-03DA-F017-B615-3C6A6B7C7154}"/>
               </a:ext>
             </a:extLst>
           </p:cNvPr>
           <p:cNvPicPr>
-            <a:picLocks noChangeAspect="1"/>
+            <a:picLocks noGrp="1" noChangeAspect="1"/>
           </p:cNvPicPr>
-          <p:nvPr/>
+          <p:nvPr>
+            <p:ph idx="1"/>
+          </p:nvPr>
         </p:nvPicPr>
         <p:blipFill>
           <a:blip r:embed="rId2">
@@ -5687,14 +5639,39 @@
         </p:blipFill>
         <p:spPr>
           <a:xfrm>
-            <a:off x="609589" y="1258088"/>
-            <a:ext cx="10972822" cy="5486411"/>
+            <a:off x="379042" y="954036"/>
+            <a:ext cx="11430000" cy="5715001"/>
           </a:xfrm>
-          <a:prstGeom prst="rect">
-            <a:avLst/>
-          </a:prstGeom>
         </p:spPr>
       </p:pic>
+      <p:sp>
+        <p:nvSpPr>
+          <p:cNvPr id="2" name="Title 1">
+            <a:extLst>
+              <a:ext uri="{FF2B5EF4-FFF2-40B4-BE49-F238E27FC236}">
+                <a16:creationId xmlns:a16="http://schemas.microsoft.com/office/drawing/2014/main" id="{B3E8F7E0-E05A-D22A-6764-B458FF87474F}"/>
+              </a:ext>
+            </a:extLst>
+          </p:cNvPr>
+          <p:cNvSpPr>
+            <a:spLocks noGrp="1"/>
+          </p:cNvSpPr>
+          <p:nvPr>
+            <p:ph type="title"/>
+          </p:nvPr>
+        </p:nvSpPr>
+        <p:spPr/>
+        <p:txBody>
+          <a:bodyPr/>
+          <a:lstStyle/>
+          <a:p>
+            <a:r>
+              <a:rPr lang="en-US" dirty="0"/>
+              <a:t>…and Where Did They Go?</a:t>
+            </a:r>
+          </a:p>
+        </p:txBody>
+      </p:sp>
       <p:pic>
         <p:nvPicPr>
           <p:cNvPr id="6" name="Graphic 5" descr="Badge 1 with solid fill">
@@ -5759,7 +5736,7 @@
         </p:blipFill>
         <p:spPr>
           <a:xfrm rot="20889460">
-            <a:off x="10583916" y="1909720"/>
+            <a:off x="10597363" y="1463240"/>
             <a:ext cx="914400" cy="914400"/>
           </a:xfrm>
           <a:prstGeom prst="rect">
@@ -5795,7 +5772,7 @@
         </p:blipFill>
         <p:spPr>
           <a:xfrm rot="705958">
-            <a:off x="11065334" y="2667274"/>
+            <a:off x="11082884" y="1935962"/>
             <a:ext cx="914400" cy="914400"/>
           </a:xfrm>
           <a:prstGeom prst="rect">
@@ -5831,7 +5808,7 @@
         </p:blipFill>
         <p:spPr>
           <a:xfrm rot="20754633">
-            <a:off x="10597364" y="3654532"/>
+            <a:off x="10797096" y="2417055"/>
             <a:ext cx="914400" cy="914400"/>
           </a:xfrm>
           <a:prstGeom prst="rect">

--- a/report.pptx
+++ b/report.pptx
@@ -18,7 +18,7 @@
     <p:sldId id="266" r:id="rId12"/>
   </p:sldIdLst>
   <p:sldSz cx="12192000" cy="6858000"/>
-  <p:notesSz cx="6858000" cy="9144000"/>
+  <p:notesSz cx="7010400" cy="9296400"/>
   <p:defaultTextStyle>
     <a:defPPr>
       <a:defRPr lang="en-US"/>
@@ -3356,7 +3356,7 @@
           <a:p>
             <a:r>
               <a:rPr lang="en-US" dirty="0"/>
-              <a:t>2016 and 2020 US Presidential Election Result Shifts</a:t>
+              <a:t>US Presidential Election Result Shifts From 2016 to 2020</a:t>
             </a:r>
             <a:br>
               <a:rPr lang="en-US" dirty="0"/>
@@ -3469,7 +3469,7 @@
         </p:blipFill>
         <p:spPr>
           <a:xfrm>
-            <a:off x="8524290" y="4880007"/>
+            <a:off x="9252856" y="0"/>
             <a:ext cx="2939144" cy="1959429"/>
           </a:xfrm>
           <a:prstGeom prst="rect">
@@ -3530,19 +3530,19 @@
           <a:p>
             <a:r>
               <a:rPr lang="en-US" dirty="0"/>
-              <a:t>“Battleground” states were those widely considered competitive for 2020: AZ, FL, GA, IA, MI, MN, NV, NH, NC, OH, PA, TX, and WI</a:t>
+              <a:t>“Battleground” states are those widely considered competitive for 2020: AZ, FL, GA, IA, MI, MN, NV, NH, NC, OH, PA, TX, and WI</a:t>
             </a:r>
           </a:p>
           <a:p>
             <a:r>
               <a:rPr lang="en-US" dirty="0"/>
-              <a:t>“Flipped” states were those which went to the Republican in 2016 and the Democrat in 2020: AZ, GA, PA, WI, and MI</a:t>
+              <a:t>“Flipped” states are those which went to the Republican in 2016 and the Democrat in 2020: AZ, GA, PA, WI, and MI</a:t>
             </a:r>
           </a:p>
           <a:p>
             <a:r>
               <a:rPr lang="en-US" dirty="0"/>
-              <a:t>Counties in all of these basically followed the trends found previously, with both parties getting a similar increase across all counties, but big counties heavily favoring the Democrat.</a:t>
+              <a:t>Counties in either category followed the same trend as the whole country. Both parties gained about equally across all counties unless you consider county size, in which case you see that big counties heavily favored the Democrat.</a:t>
             </a:r>
           </a:p>
           <a:p>
@@ -3554,7 +3554,7 @@
           <a:p>
             <a:r>
               <a:rPr lang="en-US" dirty="0"/>
-              <a:t>The charts don’t really fit well on a slide with any text:</a:t>
+              <a:t>The charts don’t really fit well on a slide with any text.</a:t>
             </a:r>
           </a:p>
         </p:txBody>
@@ -3908,7 +3908,7 @@
           <a:p>
             <a:r>
               <a:rPr lang="en-US" dirty="0"/>
-              <a:t>How did votes for non-major candidates (anyone but Trump or Clinton/Biden) shift from 2016 to 2020?</a:t>
+              <a:t>How did votes for non-major candidates (anyone but Trump, Clinton, or Biden) shift from 2016 to 2020?</a:t>
             </a:r>
           </a:p>
           <a:p>
@@ -4501,7 +4501,7 @@
         </p:nvSpPr>
         <p:spPr>
           <a:xfrm>
-            <a:off x="838200" y="1825626"/>
+            <a:off x="838199" y="1571626"/>
             <a:ext cx="10515600" cy="2291080"/>
           </a:xfrm>
         </p:spPr>
@@ -4519,7 +4519,7 @@
           <a:p>
             <a:r>
               <a:rPr lang="en-US" dirty="0"/>
-              <a:t>I compared my final clean data to the official counts from the FEC. I’m within 0.8% for the national numbers, which feels barely adequate. I’d like to improve this, especially the extra “other” votes.</a:t>
+              <a:t>I compared my final clean data to the official counts from the FEC. I’m within 0.8% for the national numbers, which feels barely adequate. I’d like to improve this, especially the imprecise “other” votes which probably impact my results.</a:t>
             </a:r>
           </a:p>
           <a:p>
@@ -4917,6 +4917,58 @@
           </a:graphicData>
         </a:graphic>
       </p:graphicFrame>
+      <p:sp>
+        <p:nvSpPr>
+          <p:cNvPr id="18" name="Rectangle 17">
+            <a:extLst>
+              <a:ext uri="{FF2B5EF4-FFF2-40B4-BE49-F238E27FC236}">
+                <a16:creationId xmlns:a16="http://schemas.microsoft.com/office/drawing/2014/main" id="{471B0262-8F3E-23D7-82FE-92F866F0E4C0}"/>
+              </a:ext>
+            </a:extLst>
+          </p:cNvPr>
+          <p:cNvSpPr/>
+          <p:nvPr/>
+        </p:nvSpPr>
+        <p:spPr>
+          <a:xfrm>
+            <a:off x="5350933" y="5935133"/>
+            <a:ext cx="5029200" cy="495829"/>
+          </a:xfrm>
+          <a:prstGeom prst="rect">
+            <a:avLst/>
+          </a:prstGeom>
+          <a:noFill/>
+          <a:ln>
+            <a:solidFill>
+              <a:srgbClr val="FF0000"/>
+            </a:solidFill>
+          </a:ln>
+        </p:spPr>
+        <p:style>
+          <a:lnRef idx="2">
+            <a:schemeClr val="accent1">
+              <a:shade val="15000"/>
+            </a:schemeClr>
+          </a:lnRef>
+          <a:fillRef idx="1">
+            <a:schemeClr val="accent1"/>
+          </a:fillRef>
+          <a:effectRef idx="0">
+            <a:schemeClr val="accent1"/>
+          </a:effectRef>
+          <a:fontRef idx="minor">
+            <a:schemeClr val="lt1"/>
+          </a:fontRef>
+        </p:style>
+        <p:txBody>
+          <a:bodyPr rtlCol="0" anchor="ctr"/>
+          <a:lstStyle/>
+          <a:p>
+            <a:pPr algn="ctr"/>
+            <a:endParaRPr lang="en-US"/>
+          </a:p>
+        </p:txBody>
+      </p:sp>
     </p:spTree>
     <p:extLst>
       <p:ext uri="{BB962C8B-B14F-4D97-AF65-F5344CB8AC3E}">
@@ -5017,13 +5069,13 @@
           <a:p>
             <a:r>
               <a:rPr lang="en-US" dirty="0"/>
-              <a:t>There are more “small” counties (&lt;100K votes) so they influence the distribution here, but the “big” counties have much more impact on actual election results.</a:t>
+              <a:t>There are more small counties (&lt;100K votes) that influence the distribution, but big counties have much more impact on actual election results.</a:t>
             </a:r>
           </a:p>
           <a:p>
             <a:r>
               <a:rPr lang="en-US" dirty="0"/>
-              <a:t>And I did not consider Electoral College counts.</a:t>
+              <a:t>I did not consider Electoral College counts.</a:t>
             </a:r>
           </a:p>
           <a:p>
@@ -5639,7 +5691,7 @@
         </p:blipFill>
         <p:spPr>
           <a:xfrm>
-            <a:off x="379042" y="954036"/>
+            <a:off x="380977" y="1142999"/>
             <a:ext cx="11430000" cy="5715001"/>
           </a:xfrm>
         </p:spPr>
@@ -5660,7 +5712,12 @@
             <p:ph type="title"/>
           </p:nvPr>
         </p:nvSpPr>
-        <p:spPr/>
+        <p:spPr>
+          <a:xfrm>
+            <a:off x="838177" y="-224003"/>
+            <a:ext cx="10515600" cy="1325563"/>
+          </a:xfrm>
+        </p:spPr>
         <p:txBody>
           <a:bodyPr/>
           <a:lstStyle/>
@@ -5816,6 +5873,41 @@
           </a:prstGeom>
         </p:spPr>
       </p:pic>
+      <p:sp>
+        <p:nvSpPr>
+          <p:cNvPr id="12" name="TextBox 11">
+            <a:extLst>
+              <a:ext uri="{FF2B5EF4-FFF2-40B4-BE49-F238E27FC236}">
+                <a16:creationId xmlns:a16="http://schemas.microsoft.com/office/drawing/2014/main" id="{C75A55DF-F101-8D19-EE61-0261849009F6}"/>
+              </a:ext>
+            </a:extLst>
+          </p:cNvPr>
+          <p:cNvSpPr txBox="1"/>
+          <p:nvPr/>
+        </p:nvSpPr>
+        <p:spPr>
+          <a:xfrm>
+            <a:off x="1003297" y="681334"/>
+            <a:ext cx="9531134" cy="923330"/>
+          </a:xfrm>
+          <a:prstGeom prst="rect">
+            <a:avLst/>
+          </a:prstGeom>
+          <a:noFill/>
+        </p:spPr>
+        <p:txBody>
+          <a:bodyPr wrap="square" rtlCol="0">
+            <a:spAutoFit/>
+          </a:bodyPr>
+          <a:lstStyle/>
+          <a:p>
+            <a:r>
+              <a:rPr lang="en-US" dirty="0"/>
+              <a:t>When looking at all counties in the US, about 3% fewer votes for “other” in 2020, and the gains were spread evenly between Democrat and Republican. But among big counties, only the Democrat benefitted.</a:t>
+            </a:r>
+          </a:p>
+        </p:txBody>
+      </p:sp>
     </p:spTree>
     <p:extLst>
       <p:ext uri="{BB962C8B-B14F-4D97-AF65-F5344CB8AC3E}">
